--- a/Whats behind the Great Resignation.pptx
+++ b/Whats behind the Great Resignation.pptx
@@ -3444,7 +3444,7 @@
           <p:cNvPr id="2" name="slide2" descr="Story 110">
             <a:extLst>
               <a:ext uri="{FF2B5EF4-FFF2-40B4-BE49-F238E27FC236}">
-                <a16:creationId xmlns:a16="http://schemas.microsoft.com/office/drawing/2014/main" id="{A82C23AB-EF2E-449D-B341-79DCFB62809E}"/>
+                <a16:creationId xmlns:a16="http://schemas.microsoft.com/office/drawing/2014/main" id="{E746575B-AB94-440A-82C7-38D66613FC5D}"/>
               </a:ext>
             </a:extLst>
           </p:cNvPr>
@@ -3469,36 +3469,6 @@
           <a:xfrm>
             <a:off x="295275" y="314325"/>
             <a:ext cx="11601450" cy="6229350"/>
-          </a:xfrm>
-          <a:prstGeom prst="rect">
-            <a:avLst/>
-          </a:prstGeom>
-        </p:spPr>
-      </p:pic>
-      <p:pic>
-        <p:nvPicPr>
-          <p:cNvPr id="3" name="Picture 2">
-            <a:extLst>
-              <a:ext uri="{FF2B5EF4-FFF2-40B4-BE49-F238E27FC236}">
-                <a16:creationId xmlns:a16="http://schemas.microsoft.com/office/drawing/2014/main" id="{58257E70-7606-D643-9A8D-9B72A3792571}"/>
-              </a:ext>
-            </a:extLst>
-          </p:cNvPr>
-          <p:cNvPicPr>
-            <a:picLocks noChangeAspect="1"/>
-          </p:cNvPicPr>
-          <p:nvPr/>
-        </p:nvPicPr>
-        <p:blipFill>
-          <a:blip r:embed="rId3"/>
-          <a:stretch>
-            <a:fillRect/>
-          </a:stretch>
-        </p:blipFill>
-        <p:spPr>
-          <a:xfrm>
-            <a:off x="428171" y="3064330"/>
-            <a:ext cx="350416" cy="306614"/>
           </a:xfrm>
           <a:prstGeom prst="rect">
             <a:avLst/>
@@ -3540,7 +3510,7 @@
           <p:cNvPr id="3" name="slide3" descr="Story 19">
             <a:extLst>
               <a:ext uri="{FF2B5EF4-FFF2-40B4-BE49-F238E27FC236}">
-                <a16:creationId xmlns:a16="http://schemas.microsoft.com/office/drawing/2014/main" id="{58D91934-1190-4CA2-84EB-427587118CDA}"/>
+                <a16:creationId xmlns:a16="http://schemas.microsoft.com/office/drawing/2014/main" id="{141C9815-C198-420B-92BB-4EEEB7BDEFB5}"/>
               </a:ext>
             </a:extLst>
           </p:cNvPr>
@@ -3576,7 +3546,7 @@
           <p:cNvPr id="4" name="TextBox 3">
             <a:extLst>
               <a:ext uri="{FF2B5EF4-FFF2-40B4-BE49-F238E27FC236}">
-                <a16:creationId xmlns:a16="http://schemas.microsoft.com/office/drawing/2014/main" id="{66E6E18C-57F1-CF46-8823-5CAEA8B137C3}"/>
+                <a16:creationId xmlns:a16="http://schemas.microsoft.com/office/drawing/2014/main" id="{754696DB-0561-324B-BB70-FBC288CD7E49}"/>
               </a:ext>
             </a:extLst>
           </p:cNvPr>
@@ -3611,7 +3581,7 @@
           <p:cNvPr id="5" name="TextBox 4">
             <a:extLst>
               <a:ext uri="{FF2B5EF4-FFF2-40B4-BE49-F238E27FC236}">
-                <a16:creationId xmlns:a16="http://schemas.microsoft.com/office/drawing/2014/main" id="{0AE26A0F-2AC0-A842-8527-FED96CFBF4BE}"/>
+                <a16:creationId xmlns:a16="http://schemas.microsoft.com/office/drawing/2014/main" id="{5F886977-E7C5-FB4A-94D4-7CC01DB0C779}"/>
               </a:ext>
             </a:extLst>
           </p:cNvPr>
@@ -3646,7 +3616,7 @@
           <p:cNvPr id="6" name="TextBox 5">
             <a:extLst>
               <a:ext uri="{FF2B5EF4-FFF2-40B4-BE49-F238E27FC236}">
-                <a16:creationId xmlns:a16="http://schemas.microsoft.com/office/drawing/2014/main" id="{50203E57-4759-F34F-ACC2-F7C7B0807280}"/>
+                <a16:creationId xmlns:a16="http://schemas.microsoft.com/office/drawing/2014/main" id="{5BF7DF24-4074-0140-8A4A-0238F292A86C}"/>
               </a:ext>
             </a:extLst>
           </p:cNvPr>
@@ -3697,7 +3667,7 @@
           <p:cNvPr id="7" name="TextBox 6">
             <a:extLst>
               <a:ext uri="{FF2B5EF4-FFF2-40B4-BE49-F238E27FC236}">
-                <a16:creationId xmlns:a16="http://schemas.microsoft.com/office/drawing/2014/main" id="{25B13755-19BD-484D-A55C-21CD1E814469}"/>
+                <a16:creationId xmlns:a16="http://schemas.microsoft.com/office/drawing/2014/main" id="{3BF3877B-672B-5143-9AE6-35BC6EC09488}"/>
               </a:ext>
             </a:extLst>
           </p:cNvPr>
@@ -3745,10 +3715,10 @@
       </p:sp>
       <p:pic>
         <p:nvPicPr>
-          <p:cNvPr id="9" name="Picture 8">
-            <a:extLst>
-              <a:ext uri="{FF2B5EF4-FFF2-40B4-BE49-F238E27FC236}">
-                <a16:creationId xmlns:a16="http://schemas.microsoft.com/office/drawing/2014/main" id="{DCBC9BC9-6FF0-3340-9AE9-3E3B333D28C0}"/>
+          <p:cNvPr id="8" name="Picture 7">
+            <a:extLst>
+              <a:ext uri="{FF2B5EF4-FFF2-40B4-BE49-F238E27FC236}">
+                <a16:creationId xmlns:a16="http://schemas.microsoft.com/office/drawing/2014/main" id="{CA661D53-1389-8143-A025-B9DD4C838750}"/>
               </a:ext>
             </a:extLst>
           </p:cNvPr>
@@ -3831,7 +3801,7 @@
           <p:cNvPr id="4" name="slide4" descr="Story 12">
             <a:extLst>
               <a:ext uri="{FF2B5EF4-FFF2-40B4-BE49-F238E27FC236}">
-                <a16:creationId xmlns:a16="http://schemas.microsoft.com/office/drawing/2014/main" id="{6FC5E759-BEE3-4C92-AD22-C79A04EB27C9}"/>
+                <a16:creationId xmlns:a16="http://schemas.microsoft.com/office/drawing/2014/main" id="{3C58AE68-71CB-47A0-8298-25EE6BA2D194}"/>
               </a:ext>
             </a:extLst>
           </p:cNvPr>
